--- a/4week-ppt.pptx
+++ b/4week-ppt.pptx
@@ -5,7 +5,7 @@
     <p:sldMasterId id="2147483660" r:id="rId1"/>
   </p:sldMasterIdLst>
   <p:notesMasterIdLst>
-    <p:notesMasterId r:id="rId18"/>
+    <p:notesMasterId r:id="rId19"/>
   </p:notesMasterIdLst>
   <p:sldIdLst>
     <p:sldId id="290" r:id="rId2"/>
@@ -23,7 +23,8 @@
     <p:sldId id="306" r:id="rId14"/>
     <p:sldId id="307" r:id="rId15"/>
     <p:sldId id="308" r:id="rId16"/>
-    <p:sldId id="300" r:id="rId17"/>
+    <p:sldId id="310" r:id="rId17"/>
+    <p:sldId id="300" r:id="rId18"/>
   </p:sldIdLst>
   <p:sldSz cx="9144000" cy="6858000" type="screen4x3"/>
   <p:notesSz cx="6858000" cy="9144000"/>
@@ -142,6 +143,7 @@
             <p14:sldId id="306"/>
             <p14:sldId id="307"/>
             <p14:sldId id="308"/>
+            <p14:sldId id="310"/>
             <p14:sldId id="300"/>
           </p14:sldIdLst>
         </p14:section>
@@ -236,7 +238,7 @@
           <a:p>
             <a:fld id="{FA5D5789-7D60-4B47-8CA9-F6E49BD2A9B4}" type="datetimeFigureOut">
               <a:rPr kumimoji="1" lang="ko-Kore-KR" altLang="en-US" smtClean="0"/>
-              <a:t>03/08/2023</a:t>
+              <a:t>03/11/2023</a:t>
             </a:fld>
             <a:endParaRPr kumimoji="1" lang="ko-Kore-KR" altLang="en-US"/>
           </a:p>
@@ -5130,8 +5132,8 @@
           </a:p>
         </p:txBody>
       </p:sp>
-      <mc:AlternateContent xmlns:mc="http://schemas.openxmlformats.org/markup-compatibility/2006">
-        <mc:Choice xmlns:a14="http://schemas.microsoft.com/office/drawing/2010/main" Requires="a14">
+      <mc:AlternateContent xmlns:mc="http://schemas.openxmlformats.org/markup-compatibility/2006" xmlns:a14="http://schemas.microsoft.com/office/drawing/2010/main">
+        <mc:Choice Requires="a14">
           <p:sp>
             <p:nvSpPr>
               <p:cNvPr id="3" name="내용 개체 틀 2">
@@ -5888,19 +5890,7 @@
                           <a:rPr lang="en-US" altLang="ko-KR" sz="2400" b="0" i="1" smtClean="0">
                             <a:latin typeface="Cambria Math" panose="02040503050406030204" pitchFamily="18" charset="0"/>
                           </a:rPr>
-                          <m:t>)</m:t>
-                        </m:r>
-                        <m:r>
-                          <a:rPr lang="en-US" altLang="ko-KR" sz="2400" b="0" i="1" smtClean="0">
-                            <a:latin typeface="Cambria Math" panose="02040503050406030204" pitchFamily="18" charset="0"/>
-                          </a:rPr>
-                          <m:t>(</m:t>
-                        </m:r>
-                        <m:r>
-                          <a:rPr lang="en-US" altLang="ko-KR" sz="2400" b="0" i="1" smtClean="0">
-                            <a:latin typeface="Cambria Math" panose="02040503050406030204" pitchFamily="18" charset="0"/>
-                          </a:rPr>
-                          <m:t>=</m:t>
+                          <m:t>)(=</m:t>
                         </m:r>
                         <m:acc>
                           <m:accPr>
@@ -6066,7 +6056,7 @@
             </p:txBody>
           </p:sp>
         </mc:Choice>
-        <mc:Fallback>
+        <mc:Fallback xmlns="">
           <p:sp>
             <p:nvSpPr>
               <p:cNvPr id="3" name="내용 개체 틀 2">
@@ -6230,6 +6220,159 @@
 </file>
 
 <file path=ppt/slides/slide16.xml><?xml version="1.0" encoding="utf-8"?>
+<p:sld xmlns:a="http://schemas.openxmlformats.org/drawingml/2006/main" xmlns:r="http://schemas.openxmlformats.org/officeDocument/2006/relationships" xmlns:p="http://schemas.openxmlformats.org/presentationml/2006/main">
+  <p:cSld>
+    <p:spTree>
+      <p:nvGrpSpPr>
+        <p:cNvPr id="1" name=""/>
+        <p:cNvGrpSpPr/>
+        <p:nvPr/>
+      </p:nvGrpSpPr>
+      <p:grpSpPr>
+        <a:xfrm>
+          <a:off x="0" y="0"/>
+          <a:ext cx="0" cy="0"/>
+          <a:chOff x="0" y="0"/>
+          <a:chExt cx="0" cy="0"/>
+        </a:xfrm>
+      </p:grpSpPr>
+      <p:sp>
+        <p:nvSpPr>
+          <p:cNvPr id="2" name="제목 1">
+            <a:extLst>
+              <a:ext uri="{FF2B5EF4-FFF2-40B4-BE49-F238E27FC236}">
+                <a16:creationId xmlns:a16="http://schemas.microsoft.com/office/drawing/2014/main" id="{7B7597E4-6749-6E24-0E39-4AFDF6F2FEA9}"/>
+              </a:ext>
+            </a:extLst>
+          </p:cNvPr>
+          <p:cNvSpPr>
+            <a:spLocks noGrp="1"/>
+          </p:cNvSpPr>
+          <p:nvPr>
+            <p:ph type="title"/>
+          </p:nvPr>
+        </p:nvSpPr>
+        <p:spPr/>
+        <p:txBody>
+          <a:bodyPr/>
+          <a:lstStyle/>
+          <a:p>
+            <a:r>
+              <a:rPr lang="en-US" altLang="ko-KR" dirty="0"/>
+              <a:t>Reference</a:t>
+            </a:r>
+            <a:endParaRPr lang="ko-KR" altLang="en-US" dirty="0"/>
+          </a:p>
+        </p:txBody>
+      </p:sp>
+      <p:sp>
+        <p:nvSpPr>
+          <p:cNvPr id="3" name="내용 개체 틀 2">
+            <a:extLst>
+              <a:ext uri="{FF2B5EF4-FFF2-40B4-BE49-F238E27FC236}">
+                <a16:creationId xmlns:a16="http://schemas.microsoft.com/office/drawing/2014/main" id="{036C00CF-64B6-F93C-C90E-020CD29CD485}"/>
+              </a:ext>
+            </a:extLst>
+          </p:cNvPr>
+          <p:cNvSpPr>
+            <a:spLocks noGrp="1"/>
+          </p:cNvSpPr>
+          <p:nvPr>
+            <p:ph idx="1"/>
+          </p:nvPr>
+        </p:nvSpPr>
+        <p:spPr/>
+        <p:txBody>
+          <a:bodyPr/>
+          <a:lstStyle/>
+          <a:p>
+            <a:pPr marL="342900" indent="-342900">
+              <a:buFont typeface="Arial" panose="020B0604020202020204" pitchFamily="34" charset="0"/>
+              <a:buChar char="•"/>
+            </a:pPr>
+            <a:r>
+              <a:rPr lang="en-US" altLang="ko-KR" dirty="0">
+                <a:hlinkClick r:id="rId2"/>
+              </a:rPr>
+              <a:t>https://agustinus.kristia.de/techblog/2017/01/01/mle-vs-map/</a:t>
+            </a:r>
+            <a:endParaRPr lang="en-US" altLang="ko-KR" dirty="0"/>
+          </a:p>
+          <a:p>
+            <a:pPr marL="342900" indent="-342900">
+              <a:buFont typeface="Arial" panose="020B0604020202020204" pitchFamily="34" charset="0"/>
+              <a:buChar char="•"/>
+            </a:pPr>
+            <a:r>
+              <a:rPr lang="en-US" altLang="ko-KR" dirty="0">
+                <a:hlinkClick r:id="rId3"/>
+              </a:rPr>
+              <a:t>https://process-mining.tistory.com/93</a:t>
+            </a:r>
+            <a:endParaRPr lang="en-US" altLang="ko-KR" dirty="0"/>
+          </a:p>
+          <a:p>
+            <a:pPr marL="342900" indent="-342900">
+              <a:buFont typeface="Arial" panose="020B0604020202020204" pitchFamily="34" charset="0"/>
+              <a:buChar char="•"/>
+            </a:pPr>
+            <a:r>
+              <a:rPr lang="en-US" altLang="ko-KR" dirty="0">
+                <a:hlinkClick r:id="rId4"/>
+              </a:rPr>
+              <a:t>https://www.cs.cmu.edu/~aarti/Class/10315_Spring22/lecs/MAP.pdf</a:t>
+            </a:r>
+            <a:endParaRPr lang="en-US" altLang="ko-KR" dirty="0"/>
+          </a:p>
+          <a:p>
+            <a:pPr marL="342900" indent="-342900">
+              <a:buFont typeface="Arial" panose="020B0604020202020204" pitchFamily="34" charset="0"/>
+              <a:buChar char="•"/>
+            </a:pPr>
+            <a:r>
+              <a:rPr lang="en-US" altLang="ko-KR" dirty="0">
+                <a:hlinkClick r:id="rId5"/>
+              </a:rPr>
+              <a:t>https://niceguy1575.medium.com/mle%EC%99%80-map%EC%9D%98-%EC%B0%A8%EC%9D%B4-7d2cc0bee9c</a:t>
+            </a:r>
+            <a:endParaRPr lang="en-US" altLang="ko-KR" dirty="0"/>
+          </a:p>
+          <a:p>
+            <a:pPr marL="342900" indent="-342900">
+              <a:buFont typeface="Arial" panose="020B0604020202020204" pitchFamily="34" charset="0"/>
+              <a:buChar char="•"/>
+            </a:pPr>
+            <a:r>
+              <a:rPr lang="en-US" altLang="ko-KR">
+                <a:hlinkClick r:id="rId6"/>
+              </a:rPr>
+              <a:t>https://sanghyu.tistory.com/10</a:t>
+            </a:r>
+            <a:endParaRPr lang="en-US" altLang="ko-KR"/>
+          </a:p>
+          <a:p>
+            <a:pPr marL="342900" indent="-342900">
+              <a:buFont typeface="Arial" panose="020B0604020202020204" pitchFamily="34" charset="0"/>
+              <a:buChar char="•"/>
+            </a:pPr>
+            <a:endParaRPr lang="ko-KR" altLang="en-US" dirty="0"/>
+          </a:p>
+        </p:txBody>
+      </p:sp>
+    </p:spTree>
+    <p:extLst>
+      <p:ext uri="{BB962C8B-B14F-4D97-AF65-F5344CB8AC3E}">
+        <p14:creationId xmlns:p14="http://schemas.microsoft.com/office/powerpoint/2010/main" val="1652184301"/>
+      </p:ext>
+    </p:extLst>
+  </p:cSld>
+  <p:clrMapOvr>
+    <a:masterClrMapping/>
+  </p:clrMapOvr>
+</p:sld>
+</file>
+
+<file path=ppt/slides/slide17.xml><?xml version="1.0" encoding="utf-8"?>
 <p:sld xmlns:a="http://schemas.openxmlformats.org/drawingml/2006/main" xmlns:r="http://schemas.openxmlformats.org/officeDocument/2006/relationships" xmlns:p="http://schemas.openxmlformats.org/presentationml/2006/main">
   <p:cSld>
     <p:spTree>
